--- a/discordPresentation.pptx
+++ b/discordPresentation.pptx
@@ -22,6 +22,7 @@
     <p:sldId id="271" r:id="rId16"/>
     <p:sldId id="272" r:id="rId17"/>
     <p:sldId id="273" r:id="rId18"/>
+    <p:sldId id="274" r:id="rId19"/>
   </p:sldIdLst>
   <p:sldSz cx="12192000" cy="6858000"/>
   <p:notesSz cx="6858000" cy="9144000"/>
@@ -120,6 +121,11 @@
       </a:defRPr>
     </a:lvl9pPr>
   </p:defaultTextStyle>
+  <p:extLst>
+    <p:ext uri="{EFAFB233-063F-42B5-8137-9DF3F51BA10A}">
+      <p15:sldGuideLst xmlns:p15="http://schemas.microsoft.com/office/powerpoint/2012/main"/>
+    </p:ext>
+  </p:extLst>
 </p:presentation>
 </file>
 
@@ -173,7 +179,7 @@
           <a:noFill/>
           <a:extLst>
             <a:ext uri="{909E8E84-426E-40dd-AFC4-6F175D3DCCD1}">
-              <a14:hiddenFill xmlns:a14="http://schemas.microsoft.com/office/drawing/2010/main" xmlns="">
+              <a14:hiddenFill xmlns="" xmlns:a14="http://schemas.microsoft.com/office/drawing/2010/main">
                 <a:solidFill>
                   <a:srgbClr val="FFFFFF"/>
                 </a:solidFill>
@@ -233,7 +239,7 @@
             </a:ln>
             <a:extLst>
               <a:ext uri="{91240B29-F687-4f45-9708-019B960494DF}">
-                <a14:hiddenLine xmlns:a14="http://schemas.microsoft.com/office/drawing/2010/main" xmlns="" w="9525">
+                <a14:hiddenLine xmlns="" xmlns:a14="http://schemas.microsoft.com/office/drawing/2010/main" w="9525">
                   <a:solidFill>
                     <a:srgbClr val="000000"/>
                   </a:solidFill>
@@ -323,7 +329,7 @@
             </a:ln>
             <a:extLst>
               <a:ext uri="{91240B29-F687-4f45-9708-019B960494DF}">
-                <a14:hiddenLine xmlns:a14="http://schemas.microsoft.com/office/drawing/2010/main" xmlns="" w="9525">
+                <a14:hiddenLine xmlns="" xmlns:a14="http://schemas.microsoft.com/office/drawing/2010/main" w="9525">
                   <a:solidFill>
                     <a:srgbClr val="000000"/>
                   </a:solidFill>
@@ -413,7 +419,7 @@
             </a:ln>
             <a:extLst>
               <a:ext uri="{91240B29-F687-4f45-9708-019B960494DF}">
-                <a14:hiddenLine xmlns:a14="http://schemas.microsoft.com/office/drawing/2010/main" xmlns="" w="9525">
+                <a14:hiddenLine xmlns="" xmlns:a14="http://schemas.microsoft.com/office/drawing/2010/main" w="9525">
                   <a:solidFill>
                     <a:srgbClr val="000000"/>
                   </a:solidFill>
@@ -447,7 +453,7 @@
             </a:ln>
             <a:extLst>
               <a:ext uri="{91240B29-F687-4f45-9708-019B960494DF}">
-                <a14:hiddenLine xmlns:a14="http://schemas.microsoft.com/office/drawing/2010/main" xmlns="" w="9525">
+                <a14:hiddenLine xmlns="" xmlns:a14="http://schemas.microsoft.com/office/drawing/2010/main" w="9525">
                   <a:solidFill>
                     <a:srgbClr val="000000"/>
                   </a:solidFill>
@@ -537,7 +543,7 @@
             </a:ln>
             <a:extLst>
               <a:ext uri="{91240B29-F687-4f45-9708-019B960494DF}">
-                <a14:hiddenLine xmlns:a14="http://schemas.microsoft.com/office/drawing/2010/main" xmlns="" w="9525">
+                <a14:hiddenLine xmlns="" xmlns:a14="http://schemas.microsoft.com/office/drawing/2010/main" w="9525">
                   <a:solidFill>
                     <a:srgbClr val="000000"/>
                   </a:solidFill>
@@ -599,7 +605,7 @@
             </a:ln>
             <a:extLst>
               <a:ext uri="{91240B29-F687-4f45-9708-019B960494DF}">
-                <a14:hiddenLine xmlns:a14="http://schemas.microsoft.com/office/drawing/2010/main" xmlns="" w="9525">
+                <a14:hiddenLine xmlns="" xmlns:a14="http://schemas.microsoft.com/office/drawing/2010/main" w="9525">
                   <a:solidFill>
                     <a:srgbClr val="000000"/>
                   </a:solidFill>
@@ -661,7 +667,7 @@
             </a:ln>
             <a:extLst>
               <a:ext uri="{91240B29-F687-4f45-9708-019B960494DF}">
-                <a14:hiddenLine xmlns:a14="http://schemas.microsoft.com/office/drawing/2010/main" xmlns="" w="9525">
+                <a14:hiddenLine xmlns="" xmlns:a14="http://schemas.microsoft.com/office/drawing/2010/main" w="9525">
                   <a:solidFill>
                     <a:srgbClr val="000000"/>
                   </a:solidFill>
@@ -751,7 +757,7 @@
             </a:ln>
             <a:extLst>
               <a:ext uri="{91240B29-F687-4f45-9708-019B960494DF}">
-                <a14:hiddenLine xmlns:a14="http://schemas.microsoft.com/office/drawing/2010/main" xmlns="" w="9525">
+                <a14:hiddenLine xmlns="" xmlns:a14="http://schemas.microsoft.com/office/drawing/2010/main" w="9525">
                   <a:solidFill>
                     <a:srgbClr val="000000"/>
                   </a:solidFill>
@@ -813,7 +819,7 @@
             </a:ln>
             <a:extLst>
               <a:ext uri="{91240B29-F687-4f45-9708-019B960494DF}">
-                <a14:hiddenLine xmlns:a14="http://schemas.microsoft.com/office/drawing/2010/main" xmlns="" w="9525">
+                <a14:hiddenLine xmlns="" xmlns:a14="http://schemas.microsoft.com/office/drawing/2010/main" w="9525">
                   <a:solidFill>
                     <a:srgbClr val="000000"/>
                   </a:solidFill>
@@ -875,7 +881,7 @@
             </a:ln>
             <a:extLst>
               <a:ext uri="{91240B29-F687-4f45-9708-019B960494DF}">
-                <a14:hiddenLine xmlns:a14="http://schemas.microsoft.com/office/drawing/2010/main" xmlns="" w="9525">
+                <a14:hiddenLine xmlns="" xmlns:a14="http://schemas.microsoft.com/office/drawing/2010/main" w="9525">
                   <a:solidFill>
                     <a:srgbClr val="000000"/>
                   </a:solidFill>
@@ -965,7 +971,7 @@
             </a:ln>
             <a:extLst>
               <a:ext uri="{91240B29-F687-4f45-9708-019B960494DF}">
-                <a14:hiddenLine xmlns:a14="http://schemas.microsoft.com/office/drawing/2010/main" xmlns="" w="9525">
+                <a14:hiddenLine xmlns="" xmlns:a14="http://schemas.microsoft.com/office/drawing/2010/main" w="9525">
                   <a:solidFill>
                     <a:srgbClr val="000000"/>
                   </a:solidFill>
@@ -1055,7 +1061,7 @@
             </a:ln>
             <a:extLst>
               <a:ext uri="{91240B29-F687-4f45-9708-019B960494DF}">
-                <a14:hiddenLine xmlns:a14="http://schemas.microsoft.com/office/drawing/2010/main" xmlns="" w="9525">
+                <a14:hiddenLine xmlns="" xmlns:a14="http://schemas.microsoft.com/office/drawing/2010/main" w="9525">
                   <a:solidFill>
                     <a:srgbClr val="000000"/>
                   </a:solidFill>
@@ -1117,7 +1123,7 @@
             </a:ln>
             <a:extLst>
               <a:ext uri="{91240B29-F687-4f45-9708-019B960494DF}">
-                <a14:hiddenLine xmlns:a14="http://schemas.microsoft.com/office/drawing/2010/main" xmlns="" w="9525">
+                <a14:hiddenLine xmlns="" xmlns:a14="http://schemas.microsoft.com/office/drawing/2010/main" w="9525">
                   <a:solidFill>
                     <a:srgbClr val="000000"/>
                   </a:solidFill>
@@ -1227,7 +1233,7 @@
             </a:ln>
             <a:extLst>
               <a:ext uri="{91240B29-F687-4f45-9708-019B960494DF}">
-                <a14:hiddenLine xmlns:a14="http://schemas.microsoft.com/office/drawing/2010/main" xmlns="" w="9525">
+                <a14:hiddenLine xmlns="" xmlns:a14="http://schemas.microsoft.com/office/drawing/2010/main" w="9525">
                   <a:solidFill>
                     <a:srgbClr val="000000"/>
                   </a:solidFill>
@@ -1289,7 +1295,7 @@
             </a:ln>
             <a:extLst>
               <a:ext uri="{91240B29-F687-4f45-9708-019B960494DF}">
-                <a14:hiddenLine xmlns:a14="http://schemas.microsoft.com/office/drawing/2010/main" xmlns="" w="9525">
+                <a14:hiddenLine xmlns="" xmlns:a14="http://schemas.microsoft.com/office/drawing/2010/main" w="9525">
                   <a:solidFill>
                     <a:srgbClr val="000000"/>
                   </a:solidFill>
@@ -1379,7 +1385,7 @@
             </a:ln>
             <a:extLst>
               <a:ext uri="{91240B29-F687-4f45-9708-019B960494DF}">
-                <a14:hiddenLine xmlns:a14="http://schemas.microsoft.com/office/drawing/2010/main" xmlns="" w="9525">
+                <a14:hiddenLine xmlns="" xmlns:a14="http://schemas.microsoft.com/office/drawing/2010/main" w="9525">
                   <a:solidFill>
                     <a:srgbClr val="000000"/>
                   </a:solidFill>
@@ -1469,7 +1475,7 @@
             </a:ln>
             <a:extLst>
               <a:ext uri="{91240B29-F687-4f45-9708-019B960494DF}">
-                <a14:hiddenLine xmlns:a14="http://schemas.microsoft.com/office/drawing/2010/main" xmlns="" w="9525">
+                <a14:hiddenLine xmlns="" xmlns:a14="http://schemas.microsoft.com/office/drawing/2010/main" w="9525">
                   <a:solidFill>
                     <a:srgbClr val="000000"/>
                   </a:solidFill>
@@ -1531,7 +1537,7 @@
             </a:ln>
             <a:extLst>
               <a:ext uri="{91240B29-F687-4f45-9708-019B960494DF}">
-                <a14:hiddenLine xmlns:a14="http://schemas.microsoft.com/office/drawing/2010/main" xmlns="" w="9525">
+                <a14:hiddenLine xmlns="" xmlns:a14="http://schemas.microsoft.com/office/drawing/2010/main" w="9525">
                   <a:solidFill>
                     <a:srgbClr val="000000"/>
                   </a:solidFill>
@@ -1621,7 +1627,7 @@
             </a:ln>
             <a:extLst>
               <a:ext uri="{91240B29-F687-4f45-9708-019B960494DF}">
-                <a14:hiddenLine xmlns:a14="http://schemas.microsoft.com/office/drawing/2010/main" xmlns="" w="9525">
+                <a14:hiddenLine xmlns="" xmlns:a14="http://schemas.microsoft.com/office/drawing/2010/main" w="9525">
                   <a:solidFill>
                     <a:srgbClr val="000000"/>
                   </a:solidFill>
@@ -1711,7 +1717,7 @@
             </a:ln>
             <a:extLst>
               <a:ext uri="{91240B29-F687-4f45-9708-019B960494DF}">
-                <a14:hiddenLine xmlns:a14="http://schemas.microsoft.com/office/drawing/2010/main" xmlns="" w="9525">
+                <a14:hiddenLine xmlns="" xmlns:a14="http://schemas.microsoft.com/office/drawing/2010/main" w="9525">
                   <a:solidFill>
                     <a:srgbClr val="000000"/>
                   </a:solidFill>
@@ -1767,7 +1773,7 @@
             </a:ln>
             <a:extLst>
               <a:ext uri="{91240B29-F687-4f45-9708-019B960494DF}">
-                <a14:hiddenLine xmlns:a14="http://schemas.microsoft.com/office/drawing/2010/main" xmlns="" w="9525">
+                <a14:hiddenLine xmlns="" xmlns:a14="http://schemas.microsoft.com/office/drawing/2010/main" w="9525">
                   <a:solidFill>
                     <a:srgbClr val="000000"/>
                   </a:solidFill>
@@ -1857,7 +1863,7 @@
             </a:ln>
             <a:extLst>
               <a:ext uri="{91240B29-F687-4f45-9708-019B960494DF}">
-                <a14:hiddenLine xmlns:a14="http://schemas.microsoft.com/office/drawing/2010/main" xmlns="" w="9525">
+                <a14:hiddenLine xmlns="" xmlns:a14="http://schemas.microsoft.com/office/drawing/2010/main" w="9525">
                   <a:solidFill>
                     <a:srgbClr val="000000"/>
                   </a:solidFill>
@@ -1913,7 +1919,7 @@
             </a:ln>
             <a:extLst>
               <a:ext uri="{91240B29-F687-4f45-9708-019B960494DF}">
-                <a14:hiddenLine xmlns:a14="http://schemas.microsoft.com/office/drawing/2010/main" xmlns="" w="9525">
+                <a14:hiddenLine xmlns="" xmlns:a14="http://schemas.microsoft.com/office/drawing/2010/main" w="9525">
                   <a:solidFill>
                     <a:srgbClr val="000000"/>
                   </a:solidFill>
@@ -2003,7 +2009,7 @@
             </a:ln>
             <a:extLst>
               <a:ext uri="{91240B29-F687-4f45-9708-019B960494DF}">
-                <a14:hiddenLine xmlns:a14="http://schemas.microsoft.com/office/drawing/2010/main" xmlns="" w="9525">
+                <a14:hiddenLine xmlns="" xmlns:a14="http://schemas.microsoft.com/office/drawing/2010/main" w="9525">
                   <a:solidFill>
                     <a:srgbClr val="000000"/>
                   </a:solidFill>
@@ -2071,7 +2077,7 @@
             </a:ln>
             <a:extLst>
               <a:ext uri="{91240B29-F687-4f45-9708-019B960494DF}">
-                <a14:hiddenLine xmlns:a14="http://schemas.microsoft.com/office/drawing/2010/main" xmlns="" w="9525">
+                <a14:hiddenLine xmlns="" xmlns:a14="http://schemas.microsoft.com/office/drawing/2010/main" w="9525">
                   <a:solidFill>
                     <a:srgbClr val="000000"/>
                   </a:solidFill>
@@ -2161,7 +2167,7 @@
             </a:ln>
             <a:extLst>
               <a:ext uri="{91240B29-F687-4f45-9708-019B960494DF}">
-                <a14:hiddenLine xmlns:a14="http://schemas.microsoft.com/office/drawing/2010/main" xmlns="" w="9525">
+                <a14:hiddenLine xmlns="" xmlns:a14="http://schemas.microsoft.com/office/drawing/2010/main" w="9525">
                   <a:solidFill>
                     <a:srgbClr val="000000"/>
                   </a:solidFill>
@@ -2229,7 +2235,7 @@
             </a:ln>
             <a:extLst>
               <a:ext uri="{91240B29-F687-4f45-9708-019B960494DF}">
-                <a14:hiddenLine xmlns:a14="http://schemas.microsoft.com/office/drawing/2010/main" xmlns="" w="9525">
+                <a14:hiddenLine xmlns="" xmlns:a14="http://schemas.microsoft.com/office/drawing/2010/main" w="9525">
                   <a:solidFill>
                     <a:srgbClr val="000000"/>
                   </a:solidFill>
@@ -2319,7 +2325,7 @@
             </a:ln>
             <a:extLst>
               <a:ext uri="{91240B29-F687-4f45-9708-019B960494DF}">
-                <a14:hiddenLine xmlns:a14="http://schemas.microsoft.com/office/drawing/2010/main" xmlns="" w="9525">
+                <a14:hiddenLine xmlns="" xmlns:a14="http://schemas.microsoft.com/office/drawing/2010/main" w="9525">
                   <a:solidFill>
                     <a:srgbClr val="000000"/>
                   </a:solidFill>
@@ -2353,7 +2359,7 @@
             </a:ln>
             <a:extLst>
               <a:ext uri="{91240B29-F687-4f45-9708-019B960494DF}">
-                <a14:hiddenLine xmlns:a14="http://schemas.microsoft.com/office/drawing/2010/main" xmlns="" w="9525">
+                <a14:hiddenLine xmlns="" xmlns:a14="http://schemas.microsoft.com/office/drawing/2010/main" w="9525">
                   <a:solidFill>
                     <a:srgbClr val="000000"/>
                   </a:solidFill>
@@ -2443,7 +2449,7 @@
             </a:ln>
             <a:extLst>
               <a:ext uri="{91240B29-F687-4f45-9708-019B960494DF}">
-                <a14:hiddenLine xmlns:a14="http://schemas.microsoft.com/office/drawing/2010/main" xmlns="" w="9525">
+                <a14:hiddenLine xmlns="" xmlns:a14="http://schemas.microsoft.com/office/drawing/2010/main" w="9525">
                   <a:solidFill>
                     <a:srgbClr val="000000"/>
                   </a:solidFill>
@@ -2505,7 +2511,7 @@
             </a:ln>
             <a:extLst>
               <a:ext uri="{91240B29-F687-4f45-9708-019B960494DF}">
-                <a14:hiddenLine xmlns:a14="http://schemas.microsoft.com/office/drawing/2010/main" xmlns="" w="9525">
+                <a14:hiddenLine xmlns="" xmlns:a14="http://schemas.microsoft.com/office/drawing/2010/main" w="9525">
                   <a:solidFill>
                     <a:srgbClr val="000000"/>
                   </a:solidFill>
@@ -2567,7 +2573,7 @@
             </a:ln>
             <a:extLst>
               <a:ext uri="{91240B29-F687-4f45-9708-019B960494DF}">
-                <a14:hiddenLine xmlns:a14="http://schemas.microsoft.com/office/drawing/2010/main" xmlns="" w="9525">
+                <a14:hiddenLine xmlns="" xmlns:a14="http://schemas.microsoft.com/office/drawing/2010/main" w="9525">
                   <a:solidFill>
                     <a:srgbClr val="000000"/>
                   </a:solidFill>
@@ -2657,7 +2663,7 @@
             </a:ln>
             <a:extLst>
               <a:ext uri="{91240B29-F687-4f45-9708-019B960494DF}">
-                <a14:hiddenLine xmlns:a14="http://schemas.microsoft.com/office/drawing/2010/main" xmlns="" w="9525">
+                <a14:hiddenLine xmlns="" xmlns:a14="http://schemas.microsoft.com/office/drawing/2010/main" w="9525">
                   <a:solidFill>
                     <a:srgbClr val="000000"/>
                   </a:solidFill>
@@ -2725,7 +2731,7 @@
             </a:ln>
             <a:extLst>
               <a:ext uri="{91240B29-F687-4f45-9708-019B960494DF}">
-                <a14:hiddenLine xmlns:a14="http://schemas.microsoft.com/office/drawing/2010/main" xmlns="" w="9525">
+                <a14:hiddenLine xmlns="" xmlns:a14="http://schemas.microsoft.com/office/drawing/2010/main" w="9525">
                   <a:solidFill>
                     <a:srgbClr val="000000"/>
                   </a:solidFill>
@@ -2787,7 +2793,7 @@
             </a:ln>
             <a:extLst>
               <a:ext uri="{91240B29-F687-4f45-9708-019B960494DF}">
-                <a14:hiddenLine xmlns:a14="http://schemas.microsoft.com/office/drawing/2010/main" xmlns="" w="9525">
+                <a14:hiddenLine xmlns="" xmlns:a14="http://schemas.microsoft.com/office/drawing/2010/main" w="9525">
                   <a:solidFill>
                     <a:srgbClr val="000000"/>
                   </a:solidFill>
@@ -2877,7 +2883,7 @@
             </a:ln>
             <a:extLst>
               <a:ext uri="{91240B29-F687-4f45-9708-019B960494DF}">
-                <a14:hiddenLine xmlns:a14="http://schemas.microsoft.com/office/drawing/2010/main" xmlns="" w="9525">
+                <a14:hiddenLine xmlns="" xmlns:a14="http://schemas.microsoft.com/office/drawing/2010/main" w="9525">
                   <a:solidFill>
                     <a:srgbClr val="000000"/>
                   </a:solidFill>
@@ -2939,7 +2945,7 @@
             </a:ln>
             <a:extLst>
               <a:ext uri="{91240B29-F687-4f45-9708-019B960494DF}">
-                <a14:hiddenLine xmlns:a14="http://schemas.microsoft.com/office/drawing/2010/main" xmlns="" w="9525">
+                <a14:hiddenLine xmlns="" xmlns:a14="http://schemas.microsoft.com/office/drawing/2010/main" w="9525">
                   <a:solidFill>
                     <a:srgbClr val="000000"/>
                   </a:solidFill>
@@ -3029,7 +3035,7 @@
             </a:ln>
             <a:extLst>
               <a:ext uri="{91240B29-F687-4f45-9708-019B960494DF}">
-                <a14:hiddenLine xmlns:a14="http://schemas.microsoft.com/office/drawing/2010/main" xmlns="" w="9525">
+                <a14:hiddenLine xmlns="" xmlns:a14="http://schemas.microsoft.com/office/drawing/2010/main" w="9525">
                   <a:solidFill>
                     <a:srgbClr val="000000"/>
                   </a:solidFill>
@@ -3091,7 +3097,7 @@
             </a:ln>
             <a:extLst>
               <a:ext uri="{91240B29-F687-4f45-9708-019B960494DF}">
-                <a14:hiddenLine xmlns:a14="http://schemas.microsoft.com/office/drawing/2010/main" xmlns="" w="9525">
+                <a14:hiddenLine xmlns="" xmlns:a14="http://schemas.microsoft.com/office/drawing/2010/main" w="9525">
                   <a:solidFill>
                     <a:srgbClr val="000000"/>
                   </a:solidFill>
@@ -3181,7 +3187,7 @@
             </a:ln>
             <a:extLst>
               <a:ext uri="{91240B29-F687-4f45-9708-019B960494DF}">
-                <a14:hiddenLine xmlns:a14="http://schemas.microsoft.com/office/drawing/2010/main" xmlns="" w="9525">
+                <a14:hiddenLine xmlns="" xmlns:a14="http://schemas.microsoft.com/office/drawing/2010/main" w="9525">
                   <a:solidFill>
                     <a:srgbClr val="000000"/>
                   </a:solidFill>
@@ -3215,7 +3221,7 @@
             </a:ln>
             <a:extLst>
               <a:ext uri="{91240B29-F687-4f45-9708-019B960494DF}">
-                <a14:hiddenLine xmlns:a14="http://schemas.microsoft.com/office/drawing/2010/main" xmlns="" w="9525">
+                <a14:hiddenLine xmlns="" xmlns:a14="http://schemas.microsoft.com/office/drawing/2010/main" w="9525">
                   <a:solidFill>
                     <a:srgbClr val="000000"/>
                   </a:solidFill>
@@ -3280,7 +3286,7 @@
             </a:ln>
             <a:extLst>
               <a:ext uri="{91240B29-F687-4f45-9708-019B960494DF}">
-                <a14:hiddenLine xmlns:a14="http://schemas.microsoft.com/office/drawing/2010/main" xmlns="" w="9525">
+                <a14:hiddenLine xmlns="" xmlns:a14="http://schemas.microsoft.com/office/drawing/2010/main" w="9525">
                   <a:solidFill>
                     <a:srgbClr val="000000"/>
                   </a:solidFill>
@@ -3370,7 +3376,7 @@
             </a:ln>
             <a:extLst>
               <a:ext uri="{91240B29-F687-4f45-9708-019B960494DF}">
-                <a14:hiddenLine xmlns:a14="http://schemas.microsoft.com/office/drawing/2010/main" xmlns="" w="9525">
+                <a14:hiddenLine xmlns="" xmlns:a14="http://schemas.microsoft.com/office/drawing/2010/main" w="9525">
                   <a:solidFill>
                     <a:srgbClr val="000000"/>
                   </a:solidFill>
@@ -3432,7 +3438,7 @@
             </a:ln>
             <a:extLst>
               <a:ext uri="{91240B29-F687-4f45-9708-019B960494DF}">
-                <a14:hiddenLine xmlns:a14="http://schemas.microsoft.com/office/drawing/2010/main" xmlns="" w="9525">
+                <a14:hiddenLine xmlns="" xmlns:a14="http://schemas.microsoft.com/office/drawing/2010/main" w="9525">
                   <a:solidFill>
                     <a:srgbClr val="000000"/>
                   </a:solidFill>
@@ -3522,7 +3528,7 @@
             </a:ln>
             <a:extLst>
               <a:ext uri="{91240B29-F687-4f45-9708-019B960494DF}">
-                <a14:hiddenLine xmlns:a14="http://schemas.microsoft.com/office/drawing/2010/main" xmlns="" w="9525">
+                <a14:hiddenLine xmlns="" xmlns:a14="http://schemas.microsoft.com/office/drawing/2010/main" w="9525">
                   <a:solidFill>
                     <a:srgbClr val="000000"/>
                   </a:solidFill>
@@ -3612,7 +3618,7 @@
             </a:ln>
             <a:extLst>
               <a:ext uri="{91240B29-F687-4f45-9708-019B960494DF}">
-                <a14:hiddenLine xmlns:a14="http://schemas.microsoft.com/office/drawing/2010/main" xmlns="" w="9525">
+                <a14:hiddenLine xmlns="" xmlns:a14="http://schemas.microsoft.com/office/drawing/2010/main" w="9525">
                   <a:solidFill>
                     <a:srgbClr val="000000"/>
                   </a:solidFill>
@@ -3677,7 +3683,7 @@
             </a:ln>
             <a:extLst>
               <a:ext uri="{91240B29-F687-4f45-9708-019B960494DF}">
-                <a14:hiddenLine xmlns:a14="http://schemas.microsoft.com/office/drawing/2010/main" xmlns="" w="9525">
+                <a14:hiddenLine xmlns="" xmlns:a14="http://schemas.microsoft.com/office/drawing/2010/main" w="9525">
                   <a:solidFill>
                     <a:srgbClr val="000000"/>
                   </a:solidFill>
@@ -3739,7 +3745,7 @@
             </a:ln>
             <a:extLst>
               <a:ext uri="{91240B29-F687-4f45-9708-019B960494DF}">
-                <a14:hiddenLine xmlns:a14="http://schemas.microsoft.com/office/drawing/2010/main" xmlns="" w="9525">
+                <a14:hiddenLine xmlns="" xmlns:a14="http://schemas.microsoft.com/office/drawing/2010/main" w="9525">
                   <a:solidFill>
                     <a:srgbClr val="000000"/>
                   </a:solidFill>
@@ -3829,7 +3835,7 @@
             </a:ln>
             <a:extLst>
               <a:ext uri="{91240B29-F687-4f45-9708-019B960494DF}">
-                <a14:hiddenLine xmlns:a14="http://schemas.microsoft.com/office/drawing/2010/main" xmlns="" w="9525">
+                <a14:hiddenLine xmlns="" xmlns:a14="http://schemas.microsoft.com/office/drawing/2010/main" w="9525">
                   <a:solidFill>
                     <a:srgbClr val="000000"/>
                   </a:solidFill>
@@ -3919,7 +3925,7 @@
             </a:ln>
             <a:extLst>
               <a:ext uri="{91240B29-F687-4f45-9708-019B960494DF}">
-                <a14:hiddenLine xmlns:a14="http://schemas.microsoft.com/office/drawing/2010/main" xmlns="" w="9525">
+                <a14:hiddenLine xmlns="" xmlns:a14="http://schemas.microsoft.com/office/drawing/2010/main" w="9525">
                   <a:solidFill>
                     <a:srgbClr val="000000"/>
                   </a:solidFill>
@@ -3981,7 +3987,7 @@
             </a:ln>
             <a:extLst>
               <a:ext uri="{91240B29-F687-4f45-9708-019B960494DF}">
-                <a14:hiddenLine xmlns:a14="http://schemas.microsoft.com/office/drawing/2010/main" xmlns="" w="9525">
+                <a14:hiddenLine xmlns="" xmlns:a14="http://schemas.microsoft.com/office/drawing/2010/main" w="9525">
                   <a:solidFill>
                     <a:srgbClr val="000000"/>
                   </a:solidFill>
@@ -4101,7 +4107,7 @@
             </a:ln>
             <a:extLst>
               <a:ext uri="{91240B29-F687-4f45-9708-019B960494DF}">
-                <a14:hiddenLine xmlns:a14="http://schemas.microsoft.com/office/drawing/2010/main" xmlns="" w="9525">
+                <a14:hiddenLine xmlns="" xmlns:a14="http://schemas.microsoft.com/office/drawing/2010/main" w="9525">
                   <a:solidFill>
                     <a:srgbClr val="000000"/>
                   </a:solidFill>
@@ -4169,7 +4175,7 @@
             </a:ln>
             <a:extLst>
               <a:ext uri="{91240B29-F687-4f45-9708-019B960494DF}">
-                <a14:hiddenLine xmlns:a14="http://schemas.microsoft.com/office/drawing/2010/main" xmlns="" w="9525">
+                <a14:hiddenLine xmlns="" xmlns:a14="http://schemas.microsoft.com/office/drawing/2010/main" w="9525">
                   <a:solidFill>
                     <a:srgbClr val="000000"/>
                   </a:solidFill>
@@ -4259,7 +4265,7 @@
             </a:ln>
             <a:extLst>
               <a:ext uri="{91240B29-F687-4f45-9708-019B960494DF}">
-                <a14:hiddenLine xmlns:a14="http://schemas.microsoft.com/office/drawing/2010/main" xmlns="" w="9525">
+                <a14:hiddenLine xmlns="" xmlns:a14="http://schemas.microsoft.com/office/drawing/2010/main" w="9525">
                   <a:solidFill>
                     <a:srgbClr val="000000"/>
                   </a:solidFill>
@@ -8981,7 +8987,7 @@
           <a:noFill/>
           <a:extLst>
             <a:ext uri="{909E8E84-426E-40dd-AFC4-6F175D3DCCD1}">
-              <a14:hiddenFill xmlns:a14="http://schemas.microsoft.com/office/drawing/2010/main" xmlns="">
+              <a14:hiddenFill xmlns="" xmlns:a14="http://schemas.microsoft.com/office/drawing/2010/main">
                 <a:solidFill>
                   <a:srgbClr val="FFFFFF"/>
                 </a:solidFill>
@@ -9055,7 +9061,7 @@
               </a:ln>
               <a:extLst>
                 <a:ext uri="{91240B29-F687-4f45-9708-019B960494DF}">
-                  <a14:hiddenLine xmlns:a14="http://schemas.microsoft.com/office/drawing/2010/main" xmlns="" w="9525">
+                  <a14:hiddenLine xmlns="" xmlns:a14="http://schemas.microsoft.com/office/drawing/2010/main" w="9525">
                     <a:solidFill>
                       <a:srgbClr val="000000"/>
                     </a:solidFill>
@@ -9145,7 +9151,7 @@
               </a:ln>
               <a:extLst>
                 <a:ext uri="{91240B29-F687-4f45-9708-019B960494DF}">
-                  <a14:hiddenLine xmlns:a14="http://schemas.microsoft.com/office/drawing/2010/main" xmlns="" w="9525">
+                  <a14:hiddenLine xmlns="" xmlns:a14="http://schemas.microsoft.com/office/drawing/2010/main" w="9525">
                     <a:solidFill>
                       <a:srgbClr val="000000"/>
                     </a:solidFill>
@@ -9235,7 +9241,7 @@
               </a:ln>
               <a:extLst>
                 <a:ext uri="{91240B29-F687-4f45-9708-019B960494DF}">
-                  <a14:hiddenLine xmlns:a14="http://schemas.microsoft.com/office/drawing/2010/main" xmlns="" w="9525">
+                  <a14:hiddenLine xmlns="" xmlns:a14="http://schemas.microsoft.com/office/drawing/2010/main" w="9525">
                     <a:solidFill>
                       <a:srgbClr val="000000"/>
                     </a:solidFill>
@@ -9297,7 +9303,7 @@
               </a:ln>
               <a:extLst>
                 <a:ext uri="{91240B29-F687-4f45-9708-019B960494DF}">
-                  <a14:hiddenLine xmlns:a14="http://schemas.microsoft.com/office/drawing/2010/main" xmlns="" w="9525">
+                  <a14:hiddenLine xmlns="" xmlns:a14="http://schemas.microsoft.com/office/drawing/2010/main" w="9525">
                     <a:solidFill>
                       <a:srgbClr val="000000"/>
                     </a:solidFill>
@@ -9387,7 +9393,7 @@
               </a:ln>
               <a:extLst>
                 <a:ext uri="{91240B29-F687-4f45-9708-019B960494DF}">
-                  <a14:hiddenLine xmlns:a14="http://schemas.microsoft.com/office/drawing/2010/main" xmlns="" w="9525">
+                  <a14:hiddenLine xmlns="" xmlns:a14="http://schemas.microsoft.com/office/drawing/2010/main" w="9525">
                     <a:solidFill>
                       <a:srgbClr val="000000"/>
                     </a:solidFill>
@@ -9449,7 +9455,7 @@
               </a:ln>
               <a:extLst>
                 <a:ext uri="{91240B29-F687-4f45-9708-019B960494DF}">
-                  <a14:hiddenLine xmlns:a14="http://schemas.microsoft.com/office/drawing/2010/main" xmlns="" w="9525">
+                  <a14:hiddenLine xmlns="" xmlns:a14="http://schemas.microsoft.com/office/drawing/2010/main" w="9525">
                     <a:solidFill>
                       <a:srgbClr val="000000"/>
                     </a:solidFill>
@@ -9511,7 +9517,7 @@
               </a:ln>
               <a:extLst>
                 <a:ext uri="{91240B29-F687-4f45-9708-019B960494DF}">
-                  <a14:hiddenLine xmlns:a14="http://schemas.microsoft.com/office/drawing/2010/main" xmlns="" w="9525">
+                  <a14:hiddenLine xmlns="" xmlns:a14="http://schemas.microsoft.com/office/drawing/2010/main" w="9525">
                     <a:solidFill>
                       <a:srgbClr val="000000"/>
                     </a:solidFill>
@@ -9601,7 +9607,7 @@
               </a:ln>
               <a:extLst>
                 <a:ext uri="{91240B29-F687-4f45-9708-019B960494DF}">
-                  <a14:hiddenLine xmlns:a14="http://schemas.microsoft.com/office/drawing/2010/main" xmlns="" w="9525">
+                  <a14:hiddenLine xmlns="" xmlns:a14="http://schemas.microsoft.com/office/drawing/2010/main" w="9525">
                     <a:solidFill>
                       <a:srgbClr val="000000"/>
                     </a:solidFill>
@@ -9691,7 +9697,7 @@
               </a:ln>
               <a:extLst>
                 <a:ext uri="{91240B29-F687-4f45-9708-019B960494DF}">
-                  <a14:hiddenLine xmlns:a14="http://schemas.microsoft.com/office/drawing/2010/main" xmlns="" w="9525">
+                  <a14:hiddenLine xmlns="" xmlns:a14="http://schemas.microsoft.com/office/drawing/2010/main" w="9525">
                     <a:solidFill>
                       <a:srgbClr val="000000"/>
                     </a:solidFill>
@@ -9753,7 +9759,7 @@
               </a:ln>
               <a:extLst>
                 <a:ext uri="{91240B29-F687-4f45-9708-019B960494DF}">
-                  <a14:hiddenLine xmlns:a14="http://schemas.microsoft.com/office/drawing/2010/main" xmlns="" w="9525">
+                  <a14:hiddenLine xmlns="" xmlns:a14="http://schemas.microsoft.com/office/drawing/2010/main" w="9525">
                     <a:solidFill>
                       <a:srgbClr val="000000"/>
                     </a:solidFill>
@@ -9863,7 +9869,7 @@
               </a:ln>
               <a:extLst>
                 <a:ext uri="{91240B29-F687-4f45-9708-019B960494DF}">
-                  <a14:hiddenLine xmlns:a14="http://schemas.microsoft.com/office/drawing/2010/main" xmlns="" w="9525">
+                  <a14:hiddenLine xmlns="" xmlns:a14="http://schemas.microsoft.com/office/drawing/2010/main" w="9525">
                     <a:solidFill>
                       <a:srgbClr val="000000"/>
                     </a:solidFill>
@@ -9947,7 +9953,7 @@
               </a:ln>
               <a:extLst>
                 <a:ext uri="{91240B29-F687-4f45-9708-019B960494DF}">
-                  <a14:hiddenLine xmlns:a14="http://schemas.microsoft.com/office/drawing/2010/main" xmlns="" w="9525">
+                  <a14:hiddenLine xmlns="" xmlns:a14="http://schemas.microsoft.com/office/drawing/2010/main" w="9525">
                     <a:solidFill>
                       <a:srgbClr val="000000"/>
                     </a:solidFill>
@@ -10009,7 +10015,7 @@
               </a:ln>
               <a:extLst>
                 <a:ext uri="{91240B29-F687-4f45-9708-019B960494DF}">
-                  <a14:hiddenLine xmlns:a14="http://schemas.microsoft.com/office/drawing/2010/main" xmlns="" w="9525">
+                  <a14:hiddenLine xmlns="" xmlns:a14="http://schemas.microsoft.com/office/drawing/2010/main" w="9525">
                     <a:solidFill>
                       <a:srgbClr val="000000"/>
                     </a:solidFill>
@@ -10071,7 +10077,7 @@
               </a:ln>
               <a:extLst>
                 <a:ext uri="{91240B29-F687-4f45-9708-019B960494DF}">
-                  <a14:hiddenLine xmlns:a14="http://schemas.microsoft.com/office/drawing/2010/main" xmlns="" w="9525">
+                  <a14:hiddenLine xmlns="" xmlns:a14="http://schemas.microsoft.com/office/drawing/2010/main" w="9525">
                     <a:solidFill>
                       <a:srgbClr val="000000"/>
                     </a:solidFill>
@@ -10161,7 +10167,7 @@
               </a:ln>
               <a:extLst>
                 <a:ext uri="{91240B29-F687-4f45-9708-019B960494DF}">
-                  <a14:hiddenLine xmlns:a14="http://schemas.microsoft.com/office/drawing/2010/main" xmlns="" w="9525">
+                  <a14:hiddenLine xmlns="" xmlns:a14="http://schemas.microsoft.com/office/drawing/2010/main" w="9525">
                     <a:solidFill>
                       <a:srgbClr val="000000"/>
                     </a:solidFill>
@@ -10195,7 +10201,7 @@
               </a:ln>
               <a:extLst>
                 <a:ext uri="{91240B29-F687-4f45-9708-019B960494DF}">
-                  <a14:hiddenLine xmlns:a14="http://schemas.microsoft.com/office/drawing/2010/main" xmlns="" w="9525">
+                  <a14:hiddenLine xmlns="" xmlns:a14="http://schemas.microsoft.com/office/drawing/2010/main" w="9525">
                     <a:solidFill>
                       <a:srgbClr val="000000"/>
                     </a:solidFill>
@@ -10260,7 +10266,7 @@
               </a:ln>
               <a:extLst>
                 <a:ext uri="{91240B29-F687-4f45-9708-019B960494DF}">
-                  <a14:hiddenLine xmlns:a14="http://schemas.microsoft.com/office/drawing/2010/main" xmlns="" w="9525">
+                  <a14:hiddenLine xmlns="" xmlns:a14="http://schemas.microsoft.com/office/drawing/2010/main" w="9525">
                     <a:solidFill>
                       <a:srgbClr val="000000"/>
                     </a:solidFill>
@@ -10350,7 +10356,7 @@
               </a:ln>
               <a:extLst>
                 <a:ext uri="{91240B29-F687-4f45-9708-019B960494DF}">
-                  <a14:hiddenLine xmlns:a14="http://schemas.microsoft.com/office/drawing/2010/main" xmlns="" w="9525">
+                  <a14:hiddenLine xmlns="" xmlns:a14="http://schemas.microsoft.com/office/drawing/2010/main" w="9525">
                     <a:solidFill>
                       <a:srgbClr val="000000"/>
                     </a:solidFill>
@@ -10412,7 +10418,7 @@
               </a:ln>
               <a:extLst>
                 <a:ext uri="{91240B29-F687-4f45-9708-019B960494DF}">
-                  <a14:hiddenLine xmlns:a14="http://schemas.microsoft.com/office/drawing/2010/main" xmlns="" w="9525">
+                  <a14:hiddenLine xmlns="" xmlns:a14="http://schemas.microsoft.com/office/drawing/2010/main" w="9525">
                     <a:solidFill>
                       <a:srgbClr val="000000"/>
                     </a:solidFill>
@@ -10502,7 +10508,7 @@
               </a:ln>
               <a:extLst>
                 <a:ext uri="{91240B29-F687-4f45-9708-019B960494DF}">
-                  <a14:hiddenLine xmlns:a14="http://schemas.microsoft.com/office/drawing/2010/main" xmlns="" w="9525">
+                  <a14:hiddenLine xmlns="" xmlns:a14="http://schemas.microsoft.com/office/drawing/2010/main" w="9525">
                     <a:solidFill>
                       <a:srgbClr val="000000"/>
                     </a:solidFill>
@@ -10567,7 +10573,7 @@
               </a:ln>
               <a:extLst>
                 <a:ext uri="{91240B29-F687-4f45-9708-019B960494DF}">
-                  <a14:hiddenLine xmlns:a14="http://schemas.microsoft.com/office/drawing/2010/main" xmlns="" w="9525">
+                  <a14:hiddenLine xmlns="" xmlns:a14="http://schemas.microsoft.com/office/drawing/2010/main" w="9525">
                     <a:solidFill>
                       <a:srgbClr val="000000"/>
                     </a:solidFill>
@@ -10629,7 +10635,7 @@
               </a:ln>
               <a:extLst>
                 <a:ext uri="{91240B29-F687-4f45-9708-019B960494DF}">
-                  <a14:hiddenLine xmlns:a14="http://schemas.microsoft.com/office/drawing/2010/main" xmlns="" w="9525">
+                  <a14:hiddenLine xmlns="" xmlns:a14="http://schemas.microsoft.com/office/drawing/2010/main" w="9525">
                     <a:solidFill>
                       <a:srgbClr val="000000"/>
                     </a:solidFill>
@@ -10719,7 +10725,7 @@
               </a:ln>
               <a:extLst>
                 <a:ext uri="{91240B29-F687-4f45-9708-019B960494DF}">
-                  <a14:hiddenLine xmlns:a14="http://schemas.microsoft.com/office/drawing/2010/main" xmlns="" w="9525">
+                  <a14:hiddenLine xmlns="" xmlns:a14="http://schemas.microsoft.com/office/drawing/2010/main" w="9525">
                     <a:solidFill>
                       <a:srgbClr val="000000"/>
                     </a:solidFill>
@@ -10809,7 +10815,7 @@
               </a:ln>
               <a:extLst>
                 <a:ext uri="{91240B29-F687-4f45-9708-019B960494DF}">
-                  <a14:hiddenLine xmlns:a14="http://schemas.microsoft.com/office/drawing/2010/main" xmlns="" w="9525">
+                  <a14:hiddenLine xmlns="" xmlns:a14="http://schemas.microsoft.com/office/drawing/2010/main" w="9525">
                     <a:solidFill>
                       <a:srgbClr val="000000"/>
                     </a:solidFill>
@@ -10874,7 +10880,7 @@
               </a:ln>
               <a:extLst>
                 <a:ext uri="{91240B29-F687-4f45-9708-019B960494DF}">
-                  <a14:hiddenLine xmlns:a14="http://schemas.microsoft.com/office/drawing/2010/main" xmlns="" w="9525">
+                  <a14:hiddenLine xmlns="" xmlns:a14="http://schemas.microsoft.com/office/drawing/2010/main" w="9525">
                     <a:solidFill>
                       <a:srgbClr val="000000"/>
                     </a:solidFill>
@@ -10994,7 +11000,7 @@
               </a:ln>
               <a:extLst>
                 <a:ext uri="{91240B29-F687-4f45-9708-019B960494DF}">
-                  <a14:hiddenLine xmlns:a14="http://schemas.microsoft.com/office/drawing/2010/main" xmlns="" w="9525">
+                  <a14:hiddenLine xmlns="" xmlns:a14="http://schemas.microsoft.com/office/drawing/2010/main" w="9525">
                     <a:solidFill>
                       <a:srgbClr val="000000"/>
                     </a:solidFill>
@@ -11092,7 +11098,7 @@
               </a:ln>
               <a:extLst>
                 <a:ext uri="{91240B29-F687-4f45-9708-019B960494DF}">
-                  <a14:hiddenLine xmlns:a14="http://schemas.microsoft.com/office/drawing/2010/main" xmlns="" w="9525">
+                  <a14:hiddenLine xmlns="" xmlns:a14="http://schemas.microsoft.com/office/drawing/2010/main" w="9525">
                     <a:solidFill>
                       <a:srgbClr val="000000"/>
                     </a:solidFill>
@@ -11207,7 +11213,7 @@
               </a:ln>
               <a:extLst>
                 <a:ext uri="{91240B29-F687-4f45-9708-019B960494DF}">
-                  <a14:hiddenLine xmlns:a14="http://schemas.microsoft.com/office/drawing/2010/main" xmlns="" w="9525">
+                  <a14:hiddenLine xmlns="" xmlns:a14="http://schemas.microsoft.com/office/drawing/2010/main" w="9525">
                     <a:solidFill>
                       <a:srgbClr val="000000"/>
                     </a:solidFill>
@@ -11297,7 +11303,7 @@
               </a:ln>
               <a:extLst>
                 <a:ext uri="{91240B29-F687-4f45-9708-019B960494DF}">
-                  <a14:hiddenLine xmlns:a14="http://schemas.microsoft.com/office/drawing/2010/main" xmlns="" w="9525">
+                  <a14:hiddenLine xmlns="" xmlns:a14="http://schemas.microsoft.com/office/drawing/2010/main" w="9525">
                     <a:solidFill>
                       <a:srgbClr val="000000"/>
                     </a:solidFill>
@@ -11362,7 +11368,7 @@
               </a:ln>
               <a:extLst>
                 <a:ext uri="{91240B29-F687-4f45-9708-019B960494DF}">
-                  <a14:hiddenLine xmlns:a14="http://schemas.microsoft.com/office/drawing/2010/main" xmlns="" w="9525">
+                  <a14:hiddenLine xmlns="" xmlns:a14="http://schemas.microsoft.com/office/drawing/2010/main" w="9525">
                     <a:solidFill>
                       <a:srgbClr val="000000"/>
                     </a:solidFill>
@@ -11452,7 +11458,7 @@
               </a:ln>
               <a:extLst>
                 <a:ext uri="{91240B29-F687-4f45-9708-019B960494DF}">
-                  <a14:hiddenLine xmlns:a14="http://schemas.microsoft.com/office/drawing/2010/main" xmlns="" w="9525">
+                  <a14:hiddenLine xmlns="" xmlns:a14="http://schemas.microsoft.com/office/drawing/2010/main" w="9525">
                     <a:solidFill>
                       <a:srgbClr val="000000"/>
                     </a:solidFill>
@@ -11520,7 +11526,7 @@
               </a:ln>
               <a:extLst>
                 <a:ext uri="{91240B29-F687-4f45-9708-019B960494DF}">
-                  <a14:hiddenLine xmlns:a14="http://schemas.microsoft.com/office/drawing/2010/main" xmlns="" w="9525">
+                  <a14:hiddenLine xmlns="" xmlns:a14="http://schemas.microsoft.com/office/drawing/2010/main" w="9525">
                     <a:solidFill>
                       <a:srgbClr val="000000"/>
                     </a:solidFill>
@@ -11610,7 +11616,7 @@
               </a:ln>
               <a:extLst>
                 <a:ext uri="{91240B29-F687-4f45-9708-019B960494DF}">
-                  <a14:hiddenLine xmlns:a14="http://schemas.microsoft.com/office/drawing/2010/main" xmlns="" w="9525">
+                  <a14:hiddenLine xmlns="" xmlns:a14="http://schemas.microsoft.com/office/drawing/2010/main" w="9525">
                     <a:solidFill>
                       <a:srgbClr val="000000"/>
                     </a:solidFill>
@@ -11678,7 +11684,7 @@
               </a:ln>
               <a:extLst>
                 <a:ext uri="{91240B29-F687-4f45-9708-019B960494DF}">
-                  <a14:hiddenLine xmlns:a14="http://schemas.microsoft.com/office/drawing/2010/main" xmlns="" w="9525">
+                  <a14:hiddenLine xmlns="" xmlns:a14="http://schemas.microsoft.com/office/drawing/2010/main" w="9525">
                     <a:solidFill>
                       <a:srgbClr val="000000"/>
                     </a:solidFill>
@@ -11768,7 +11774,7 @@
               </a:ln>
               <a:extLst>
                 <a:ext uri="{91240B29-F687-4f45-9708-019B960494DF}">
-                  <a14:hiddenLine xmlns:a14="http://schemas.microsoft.com/office/drawing/2010/main" xmlns="" w="9525">
+                  <a14:hiddenLine xmlns="" xmlns:a14="http://schemas.microsoft.com/office/drawing/2010/main" w="9525">
                     <a:solidFill>
                       <a:srgbClr val="000000"/>
                     </a:solidFill>
@@ -11802,7 +11808,7 @@
               </a:ln>
               <a:extLst>
                 <a:ext uri="{91240B29-F687-4f45-9708-019B960494DF}">
-                  <a14:hiddenLine xmlns:a14="http://schemas.microsoft.com/office/drawing/2010/main" xmlns="" w="9525">
+                  <a14:hiddenLine xmlns="" xmlns:a14="http://schemas.microsoft.com/office/drawing/2010/main" w="9525">
                     <a:solidFill>
                       <a:srgbClr val="000000"/>
                     </a:solidFill>
@@ -13321,12 +13327,14 @@
         </p:nvSpPr>
         <p:spPr>
           <a:xfrm>
-            <a:off x="1141412" y="2249487"/>
-            <a:ext cx="9905999" cy="1608654"/>
+            <a:off x="1141412" y="2249486"/>
+            <a:ext cx="9905999" cy="2688000"/>
           </a:xfrm>
         </p:spPr>
         <p:txBody>
-          <a:bodyPr/>
+          <a:bodyPr>
+            <a:normAutofit/>
+          </a:bodyPr>
           <a:lstStyle/>
           <a:p>
             <a:r>
@@ -13345,9 +13353,32 @@
               <a:rPr lang="en-US" dirty="0">
                 <a:sym typeface="Wingdings" panose="05000000000000000000" pitchFamily="2" charset="2"/>
               </a:rPr>
+              <a:t>In Heroku app, got to Settings  add config variable</a:t>
+            </a:r>
+          </a:p>
+          <a:p>
+            <a:pPr lvl="1"/>
+            <a:r>
+              <a:rPr lang="en-US" dirty="0">
+                <a:sym typeface="Wingdings" panose="05000000000000000000" pitchFamily="2" charset="2"/>
+              </a:rPr>
+              <a:t>Add the token from the developers page as ‘BOT_TOKEN’</a:t>
+            </a:r>
+          </a:p>
+          <a:p>
+            <a:r>
+              <a:rPr lang="en-US" dirty="0">
+                <a:sym typeface="Wingdings" panose="05000000000000000000" pitchFamily="2" charset="2"/>
+              </a:rPr>
               <a:t>Change where the client runs from</a:t>
             </a:r>
-            <a:endParaRPr lang="en-US" dirty="0"/>
+          </a:p>
+          <a:p>
+            <a:pPr lvl="1"/>
+            <a:r>
+              <a:rPr lang="en-US" dirty="0"/>
+              <a:t>Don’t forget to add all the needed imports!</a:t>
+            </a:r>
           </a:p>
         </p:txBody>
       </p:sp>
@@ -13373,7 +13404,7 @@
         </p:blipFill>
         <p:spPr>
           <a:xfrm>
-            <a:off x="2469839" y="4334946"/>
+            <a:off x="2347175" y="4937486"/>
             <a:ext cx="7158859" cy="1608654"/>
           </a:xfrm>
           <a:prstGeom prst="rect">
@@ -13385,6 +13416,111 @@
     <p:extLst>
       <p:ext uri="{BB962C8B-B14F-4D97-AF65-F5344CB8AC3E}">
         <p14:creationId xmlns:p14="http://schemas.microsoft.com/office/powerpoint/2010/main" val="2935246261"/>
+      </p:ext>
+    </p:extLst>
+  </p:cSld>
+  <p:clrMapOvr>
+    <a:masterClrMapping/>
+  </p:clrMapOvr>
+</p:sld>
+</file>
+
+<file path=ppt/slides/slide18.xml><?xml version="1.0" encoding="utf-8"?>
+<p:sld xmlns:a="http://schemas.openxmlformats.org/drawingml/2006/main" xmlns:r="http://schemas.openxmlformats.org/officeDocument/2006/relationships" xmlns:p="http://schemas.openxmlformats.org/presentationml/2006/main">
+  <p:cSld>
+    <p:spTree>
+      <p:nvGrpSpPr>
+        <p:cNvPr id="1" name=""/>
+        <p:cNvGrpSpPr/>
+        <p:nvPr/>
+      </p:nvGrpSpPr>
+      <p:grpSpPr>
+        <a:xfrm>
+          <a:off x="0" y="0"/>
+          <a:ext cx="0" cy="0"/>
+          <a:chOff x="0" y="0"/>
+          <a:chExt cx="0" cy="0"/>
+        </a:xfrm>
+      </p:grpSpPr>
+      <p:sp>
+        <p:nvSpPr>
+          <p:cNvPr id="2" name="Title 1">
+            <a:extLst>
+              <a:ext uri="{FF2B5EF4-FFF2-40B4-BE49-F238E27FC236}">
+                <a16:creationId xmlns:a16="http://schemas.microsoft.com/office/drawing/2014/main" id="{4EEAAEF4-54D5-43FC-A12E-7668588FA8A2}"/>
+              </a:ext>
+            </a:extLst>
+          </p:cNvPr>
+          <p:cNvSpPr>
+            <a:spLocks noGrp="1"/>
+          </p:cNvSpPr>
+          <p:nvPr>
+            <p:ph type="title"/>
+          </p:nvPr>
+        </p:nvSpPr>
+        <p:spPr/>
+        <p:txBody>
+          <a:bodyPr/>
+          <a:lstStyle/>
+          <a:p>
+            <a:r>
+              <a:rPr lang="en-US" dirty="0"/>
+              <a:t>All done!</a:t>
+            </a:r>
+          </a:p>
+        </p:txBody>
+      </p:sp>
+      <p:sp>
+        <p:nvSpPr>
+          <p:cNvPr id="3" name="Content Placeholder 2">
+            <a:extLst>
+              <a:ext uri="{FF2B5EF4-FFF2-40B4-BE49-F238E27FC236}">
+                <a16:creationId xmlns:a16="http://schemas.microsoft.com/office/drawing/2014/main" id="{7B185218-CA97-4792-83A9-B3BA86096310}"/>
+              </a:ext>
+            </a:extLst>
+          </p:cNvPr>
+          <p:cNvSpPr>
+            <a:spLocks noGrp="1"/>
+          </p:cNvSpPr>
+          <p:nvPr>
+            <p:ph idx="1"/>
+          </p:nvPr>
+        </p:nvSpPr>
+        <p:spPr/>
+        <p:txBody>
+          <a:bodyPr/>
+          <a:lstStyle/>
+          <a:p>
+            <a:r>
+              <a:rPr lang="en-US" dirty="0"/>
+              <a:t>We now have a bot that runs 24/7 on Heroku</a:t>
+            </a:r>
+          </a:p>
+          <a:p>
+            <a:r>
+              <a:rPr lang="en-US" dirty="0"/>
+              <a:t>It can respond to two types of user inputs</a:t>
+            </a:r>
+          </a:p>
+          <a:p>
+            <a:r>
+              <a:rPr lang="en-US" dirty="0"/>
+              <a:t>Now try expanding your own fun stuff!</a:t>
+            </a:r>
+          </a:p>
+          <a:p>
+            <a:pPr lvl="1"/>
+            <a:r>
+              <a:rPr lang="en-US" dirty="0"/>
+              <a:t>Try to add embedded messages, limit the bot to only one channel in the server, or have the bot send out timed messages</a:t>
+            </a:r>
+          </a:p>
+        </p:txBody>
+      </p:sp>
+    </p:spTree>
+    <p:extLst>
+      <p:ext uri="{BB962C8B-B14F-4D97-AF65-F5344CB8AC3E}">
+        <p14:creationId xmlns:p14="http://schemas.microsoft.com/office/powerpoint/2010/main" val="977359546"/>
       </p:ext>
     </p:extLst>
   </p:cSld>
